--- a/casbin.pptx
+++ b/casbin.pptx
@@ -8,7 +8,7 @@
     <p:notesMasterId r:id="rId4"/>
   </p:notesMasterIdLst>
   <p:handoutMasterIdLst>
-    <p:handoutMasterId r:id="rId27"/>
+    <p:handoutMasterId r:id="rId29"/>
   </p:handoutMasterIdLst>
   <p:sldIdLst>
     <p:sldId id="256" r:id="rId3"/>
@@ -33,7 +33,9 @@
     <p:sldId id="299" r:id="rId23"/>
     <p:sldId id="300" r:id="rId24"/>
     <p:sldId id="301" r:id="rId25"/>
-    <p:sldId id="303" r:id="rId26"/>
+    <p:sldId id="321" r:id="rId26"/>
+    <p:sldId id="303" r:id="rId27"/>
+    <p:sldId id="322" r:id="rId28"/>
   </p:sldIdLst>
   <p:sldSz cx="12192000" cy="6858000"/>
   <p:notesSz cx="6858000" cy="9144000"/>
@@ -1841,6 +1843,162 @@
 </file>
 
 <file path=ppt/notesSlides/notesSlide23.xml><?xml version="1.0" encoding="utf-8"?>
+<p:notes xmlns:a="http://schemas.openxmlformats.org/drawingml/2006/main" xmlns:r="http://schemas.openxmlformats.org/officeDocument/2006/relationships" xmlns:p="http://schemas.openxmlformats.org/presentationml/2006/main">
+  <p:cSld>
+    <p:spTree>
+      <p:nvGrpSpPr>
+        <p:cNvPr id="1" name=""/>
+        <p:cNvGrpSpPr/>
+        <p:nvPr/>
+      </p:nvGrpSpPr>
+      <p:grpSpPr>
+        <a:xfrm>
+          <a:off x="0" y="0"/>
+          <a:ext cx="0" cy="0"/>
+          <a:chOff x="0" y="0"/>
+          <a:chExt cx="0" cy="0"/>
+        </a:xfrm>
+      </p:grpSpPr>
+      <p:sp>
+        <p:nvSpPr>
+          <p:cNvPr id="2" name="幻灯片图像占位符 1"/>
+          <p:cNvSpPr>
+            <a:spLocks noGrp="1" noRot="1" noChangeAspect="1"/>
+          </p:cNvSpPr>
+          <p:nvPr>
+            <p:ph type="sldImg"/>
+          </p:nvPr>
+        </p:nvSpPr>
+        <p:spPr/>
+      </p:sp>
+      <p:sp>
+        <p:nvSpPr>
+          <p:cNvPr id="3" name="备注占位符 2"/>
+          <p:cNvSpPr>
+            <a:spLocks noGrp="1"/>
+          </p:cNvSpPr>
+          <p:nvPr>
+            <p:ph type="body" idx="1"/>
+          </p:nvPr>
+        </p:nvSpPr>
+        <p:spPr/>
+        <p:txBody>
+          <a:bodyPr/>
+          <a:lstStyle/>
+          <a:p>
+            <a:endParaRPr lang="zh-CN" altLang="en-US"/>
+          </a:p>
+        </p:txBody>
+      </p:sp>
+      <p:sp>
+        <p:nvSpPr>
+          <p:cNvPr id="4" name="灯片编号占位符 3"/>
+          <p:cNvSpPr>
+            <a:spLocks noGrp="1"/>
+          </p:cNvSpPr>
+          <p:nvPr>
+            <p:ph type="sldNum" sz="quarter" idx="10"/>
+          </p:nvPr>
+        </p:nvSpPr>
+        <p:spPr/>
+        <p:txBody>
+          <a:bodyPr/>
+          <a:lstStyle/>
+          <a:p>
+            <a:fld id="{85D0DACE-38E0-42D2-9336-2B707D34BC6D}" type="slidenum">
+              <a:rPr lang="zh-CN" altLang="en-US" smtClean="0"/>
+            </a:fld>
+            <a:endParaRPr lang="zh-CN" altLang="en-US"/>
+          </a:p>
+        </p:txBody>
+      </p:sp>
+    </p:spTree>
+  </p:cSld>
+  <p:clrMapOvr>
+    <a:masterClrMapping/>
+  </p:clrMapOvr>
+</p:notes>
+</file>
+
+<file path=ppt/notesSlides/notesSlide24.xml><?xml version="1.0" encoding="utf-8"?>
+<p:notes xmlns:a="http://schemas.openxmlformats.org/drawingml/2006/main" xmlns:r="http://schemas.openxmlformats.org/officeDocument/2006/relationships" xmlns:p="http://schemas.openxmlformats.org/presentationml/2006/main">
+  <p:cSld>
+    <p:spTree>
+      <p:nvGrpSpPr>
+        <p:cNvPr id="1" name=""/>
+        <p:cNvGrpSpPr/>
+        <p:nvPr/>
+      </p:nvGrpSpPr>
+      <p:grpSpPr>
+        <a:xfrm>
+          <a:off x="0" y="0"/>
+          <a:ext cx="0" cy="0"/>
+          <a:chOff x="0" y="0"/>
+          <a:chExt cx="0" cy="0"/>
+        </a:xfrm>
+      </p:grpSpPr>
+      <p:sp>
+        <p:nvSpPr>
+          <p:cNvPr id="2" name="幻灯片图像占位符 1"/>
+          <p:cNvSpPr>
+            <a:spLocks noGrp="1" noRot="1" noChangeAspect="1"/>
+          </p:cNvSpPr>
+          <p:nvPr>
+            <p:ph type="sldImg"/>
+          </p:nvPr>
+        </p:nvSpPr>
+        <p:spPr/>
+      </p:sp>
+      <p:sp>
+        <p:nvSpPr>
+          <p:cNvPr id="3" name="备注占位符 2"/>
+          <p:cNvSpPr>
+            <a:spLocks noGrp="1"/>
+          </p:cNvSpPr>
+          <p:nvPr>
+            <p:ph type="body" idx="1"/>
+          </p:nvPr>
+        </p:nvSpPr>
+        <p:spPr/>
+        <p:txBody>
+          <a:bodyPr/>
+          <a:lstStyle/>
+          <a:p>
+            <a:endParaRPr lang="zh-CN" altLang="en-US"/>
+          </a:p>
+        </p:txBody>
+      </p:sp>
+      <p:sp>
+        <p:nvSpPr>
+          <p:cNvPr id="4" name="灯片编号占位符 3"/>
+          <p:cNvSpPr>
+            <a:spLocks noGrp="1"/>
+          </p:cNvSpPr>
+          <p:nvPr>
+            <p:ph type="sldNum" sz="quarter" idx="10"/>
+          </p:nvPr>
+        </p:nvSpPr>
+        <p:spPr/>
+        <p:txBody>
+          <a:bodyPr/>
+          <a:lstStyle/>
+          <a:p>
+            <a:fld id="{85D0DACE-38E0-42D2-9336-2B707D34BC6D}" type="slidenum">
+              <a:rPr lang="zh-CN" altLang="en-US" smtClean="0"/>
+            </a:fld>
+            <a:endParaRPr lang="zh-CN" altLang="en-US"/>
+          </a:p>
+        </p:txBody>
+      </p:sp>
+    </p:spTree>
+  </p:cSld>
+  <p:clrMapOvr>
+    <a:masterClrMapping/>
+  </p:clrMapOvr>
+</p:notes>
+</file>
+
+<file path=ppt/notesSlides/notesSlide25.xml><?xml version="1.0" encoding="utf-8"?>
 <p:notes xmlns:a="http://schemas.openxmlformats.org/drawingml/2006/main" xmlns:r="http://schemas.openxmlformats.org/officeDocument/2006/relationships" xmlns:p="http://schemas.openxmlformats.org/presentationml/2006/main">
   <p:cSld>
     <p:spTree>
@@ -7770,11 +7928,11 @@
           </a:bodyPr>
           <a:p>
             <a:r>
-              <a:rPr lang="en-US" altLang="zh-CN"/>
+              <a:rPr lang="en-US" altLang="zh-CN" b="1"/>
               <a:t>Casbin</a:t>
             </a:r>
             <a:r>
-              <a:rPr lang="zh-CN" altLang="en-US"/>
+              <a:rPr lang="zh-CN" altLang="en-US" b="1"/>
               <a:t>可以：</a:t>
             </a:r>
             <a:endParaRPr lang="zh-CN" altLang="en-US"/>
@@ -7824,11 +7982,11 @@
           </a:p>
           <a:p>
             <a:r>
-              <a:rPr lang="en-US" altLang="zh-CN"/>
+              <a:rPr lang="en-US" altLang="zh-CN" b="1"/>
               <a:t>Casbin</a:t>
             </a:r>
             <a:r>
-              <a:rPr lang="zh-CN" altLang="en-US"/>
+              <a:rPr lang="zh-CN" altLang="en-US" b="1"/>
               <a:t>不能：</a:t>
             </a:r>
             <a:endParaRPr lang="zh-CN" altLang="en-US"/>
@@ -9713,7 +9871,7 @@
         <p:spPr>
           <a:xfrm>
             <a:off x="501015" y="1717040"/>
-            <a:ext cx="10048240" cy="5631180"/>
+            <a:ext cx="10048240" cy="4523105"/>
           </a:xfrm>
           <a:prstGeom prst="rect">
             <a:avLst/>
@@ -9733,7 +9891,7 @@
           </a:p>
           <a:p>
             <a:r>
-              <a:rPr lang="zh-CN" altLang="en-US"/>
+              <a:rPr lang="zh-CN" altLang="en-US" b="1"/>
               <a:t>[request_definition]  </a:t>
             </a:r>
             <a:endParaRPr lang="zh-CN" altLang="en-US"/>
@@ -9746,12 +9904,13 @@
             <a:endParaRPr lang="zh-CN" altLang="en-US"/>
           </a:p>
           <a:p>
-            <a:endParaRPr lang="zh-CN" altLang="en-US"/>
-          </a:p>
-          <a:p>
+            <a:r>
+              <a:rPr lang="zh-CN" altLang="en-US" b="1"/>
+              <a:t>[policy_definition]   </a:t>
+            </a:r>
             <a:r>
               <a:rPr lang="zh-CN" altLang="en-US"/>
-              <a:t>[policy_definition]     </a:t>
+              <a:t>  </a:t>
             </a:r>
             <a:endParaRPr lang="zh-CN" altLang="en-US"/>
           </a:p>
@@ -9763,66 +9922,101 @@
             <a:endParaRPr lang="zh-CN" altLang="en-US"/>
           </a:p>
           <a:p>
+            <a:r>
+              <a:rPr lang="zh-CN" altLang="en-US" b="1"/>
+              <a:t>[policy_effect]   </a:t>
+            </a:r>
+            <a:r>
+              <a:rPr lang="zh-CN" altLang="en-US"/>
+              <a:t>       </a:t>
+            </a:r>
             <a:endParaRPr lang="zh-CN" altLang="en-US"/>
           </a:p>
           <a:p>
             <a:r>
               <a:rPr lang="zh-CN" altLang="en-US"/>
-              <a:t>[policy_effect]          </a:t>
+              <a:t>策略生效范围定义，当多个policy rule同时匹配访问请求request时,该如何对多个决策结果进行集成以实现统一决策。目前为止必须使用内置的 policy effects，不能自定义。</a:t>
             </a:r>
             <a:endParaRPr lang="zh-CN" altLang="en-US"/>
           </a:p>
           <a:p>
+            <a:pPr marL="285750" indent="-285750">
+              <a:buFont typeface="Arial" panose="02080604020202020204" pitchFamily="34" charset="0"/>
+              <a:buChar char="•"/>
+            </a:pPr>
+            <a:r>
+              <a:rPr lang="zh-CN" altLang="en-US">
+                <a:solidFill>
+                  <a:srgbClr val="FF0000"/>
+                </a:solidFill>
+              </a:rPr>
+              <a:t>some(where (p.eft == allow))</a:t>
+            </a:r>
             <a:r>
               <a:rPr lang="zh-CN" altLang="en-US"/>
-              <a:t>策略生效范围定义，当多个policy rule同时匹配访问请求request时,该如何对多个决策结果进行集成以实现统一决策。</a:t>
+              <a:t> 该Effect原语表示如果存在任意一个决策结果为allow的匹配规则，则最终决策结果为allow</a:t>
             </a:r>
             <a:endParaRPr lang="zh-CN" altLang="en-US"/>
           </a:p>
           <a:p>
+            <a:pPr marL="285750" indent="-285750">
+              <a:buFont typeface="Arial" panose="02080604020202020204" pitchFamily="34" charset="0"/>
+              <a:buChar char="•"/>
+            </a:pPr>
+            <a:r>
+              <a:rPr lang="zh-CN" altLang="en-US">
+                <a:solidFill>
+                  <a:srgbClr val="FF0000"/>
+                </a:solidFill>
+              </a:rPr>
+              <a:t>!some(where (p.eft == deny)) </a:t>
+            </a:r>
             <a:r>
               <a:rPr lang="zh-CN" altLang="en-US"/>
-              <a:t>目前为止你必须使用内置的 policy effects，不能自定义。</a:t>
+              <a:t>该Effect原语表示不存在任何决策结果为deny的匹配规则，则最终决策结果为allow </a:t>
             </a:r>
             <a:endParaRPr lang="zh-CN" altLang="en-US"/>
           </a:p>
           <a:p>
+            <a:pPr marL="285750" indent="-285750">
+              <a:buFont typeface="Arial" panose="02080604020202020204" pitchFamily="34" charset="0"/>
+              <a:buChar char="•"/>
+            </a:pPr>
+            <a:r>
+              <a:rPr lang="zh-CN" altLang="en-US">
+                <a:solidFill>
+                  <a:srgbClr val="FF0000"/>
+                </a:solidFill>
+              </a:rPr>
+              <a:t>some(where (p.eft == allow)) &amp;&amp; !some(where (p.eft == deny))</a:t>
+            </a:r>
             <a:endParaRPr lang="zh-CN" altLang="en-US"/>
           </a:p>
           <a:p>
             <a:r>
               <a:rPr lang="zh-CN" altLang="en-US"/>
-              <a:t>some(where (p.eft == allow)) 该Effect原语表示如果存在任意一个决策结果为allow的匹配规则，则最终决策结果为allow</a:t>
+              <a:t>     该Effect原语表示当至少存在一个决策结果为allow的匹配规则，且不存在决策结果为deny的匹配规则时，则最终决策结果为allow</a:t>
             </a:r>
             <a:endParaRPr lang="zh-CN" altLang="en-US"/>
           </a:p>
           <a:p>
-            <a:r>
-              <a:rPr lang="zh-CN" altLang="en-US"/>
-              <a:t>!some(where (p.eft == deny)) 该Effect原语表示不存在任何决策结果为deny的匹配规则，则最终决策结果为allow </a:t>
-            </a:r>
-            <a:endParaRPr lang="zh-CN" altLang="en-US"/>
-          </a:p>
-          <a:p>
-            <a:r>
-              <a:rPr lang="zh-CN" altLang="en-US"/>
-              <a:t>some(where (p.eft == allow)) &amp;&amp; !some(where (p.eft == deny))</a:t>
-            </a:r>
-            <a:endParaRPr lang="zh-CN" altLang="en-US"/>
-          </a:p>
-          <a:p>
-            <a:r>
-              <a:rPr lang="zh-CN" altLang="en-US"/>
-              <a:t>该Effect原语表示当至少存在一个决策结果为allow的匹配规则，且不存在决策结果为deny的匹配规则时，则最终决策结果为allow</a:t>
-            </a:r>
-            <a:endParaRPr lang="zh-CN" altLang="en-US"/>
-          </a:p>
-          <a:p>
-            <a:r>
-              <a:rPr lang="zh-CN" altLang="en-US"/>
+            <a:pPr marL="285750" indent="-285750">
+              <a:buFont typeface="Arial" panose="02080604020202020204" pitchFamily="34" charset="0"/>
+              <a:buChar char="•"/>
+            </a:pPr>
+            <a:r>
+              <a:rPr lang="zh-CN" altLang="en-US">
+                <a:solidFill>
+                  <a:srgbClr val="FF0000"/>
+                </a:solidFill>
+              </a:rPr>
               <a:t>priority(p.eft) || deny </a:t>
             </a:r>
-            <a:endParaRPr lang="zh-CN" altLang="en-US"/>
+            <a:endParaRPr lang="zh-CN" altLang="en-US">
+              <a:solidFill>
+                <a:srgbClr val="FF0000"/>
+              </a:solidFill>
+            </a:endParaRPr>
           </a:p>
         </p:txBody>
       </p:sp>
@@ -10220,7 +10414,7 @@
           </a:bodyPr>
           <a:p>
             <a:r>
-              <a:rPr lang="zh-CN" altLang="en-US"/>
+              <a:rPr lang="zh-CN" altLang="en-US" b="1"/>
               <a:t>[matchers]</a:t>
             </a:r>
             <a:endParaRPr lang="zh-CN" altLang="en-US"/>
@@ -10236,9 +10430,6 @@
             <a:endParaRPr lang="zh-CN" altLang="en-US"/>
           </a:p>
           <a:p>
-            <a:endParaRPr lang="zh-CN" altLang="en-US"/>
-          </a:p>
-          <a:p>
             <a:r>
               <a:rPr lang="zh-CN" altLang="en-US"/>
               <a:t>如果 model 使用 RBAC, 还需要添加</a:t>
@@ -10247,16 +10438,19 @@
           </a:p>
           <a:p>
             <a:r>
+              <a:rPr lang="zh-CN" altLang="en-US" b="1"/>
+              <a:t>[role_definition]</a:t>
+            </a:r>
+            <a:endParaRPr lang="zh-CN" altLang="en-US"/>
+          </a:p>
+          <a:p>
+            <a:r>
               <a:rPr lang="zh-CN" altLang="en-US"/>
-              <a:t>[role_definition]</a:t>
+              <a:t>RBAC角色继承关系的定义。</a:t>
             </a:r>
             <a:endParaRPr lang="zh-CN" altLang="en-US"/>
           </a:p>
           <a:p>
-            <a:r>
-              <a:rPr lang="zh-CN" altLang="en-US"/>
-              <a:t>是RBAC角色继承关系的定义。</a:t>
-            </a:r>
             <a:endParaRPr lang="zh-CN" altLang="en-US"/>
           </a:p>
           <a:p>
@@ -10673,7 +10867,7 @@
           <a:p>
             <a:r>
               <a:rPr lang="zh-CN" altLang="en-US"/>
-              <a:t>model 只能加载，不能保存。 因为我们认为 model 不是动态组件，不应该在运行时进行修改，所以我们没有实现一个 API 来将 model 保存到存储中。</a:t>
+              <a:t>model 只能加载，不能保存。 model 不是动态组件，不应该在运行时进行修改，所以没有实现一个 API 来将 model 保存到存储中。</a:t>
             </a:r>
             <a:endParaRPr lang="zh-CN" altLang="en-US"/>
           </a:p>
@@ -10683,7 +10877,7 @@
           <a:p>
             <a:r>
               <a:rPr lang="zh-CN" altLang="en-US"/>
-              <a:t>但是，好消息是，我们提供了三种等效的方法来静态或动态地加载模型：</a:t>
+              <a:t>但是，提供了三种等效的方法来静态或动态地加载模型：</a:t>
             </a:r>
             <a:endParaRPr lang="zh-CN" altLang="en-US"/>
           </a:p>
@@ -11124,7 +11318,15 @@
           <a:p>
             <a:r>
               <a:rPr lang="zh-CN" altLang="en-US"/>
-              <a:t>策略存储作为adapter实现。</a:t>
+              <a:t>策略存储作为</a:t>
+            </a:r>
+            <a:r>
+              <a:rPr lang="zh-CN" altLang="en-US" b="1"/>
+              <a:t>adapter</a:t>
+            </a:r>
+            <a:r>
+              <a:rPr lang="zh-CN" altLang="en-US"/>
+              <a:t>实现。</a:t>
             </a:r>
             <a:endParaRPr lang="zh-CN" altLang="en-US"/>
           </a:p>
@@ -11204,9 +11406,9 @@
         <p:grpSpPr>
           <a:xfrm>
             <a:off x="486410" y="1034415"/>
-            <a:ext cx="7031457" cy="530469"/>
+            <a:ext cx="7043613" cy="530469"/>
             <a:chOff x="1802" y="1745"/>
-            <a:chExt cx="5206" cy="1086"/>
+            <a:chExt cx="5215" cy="1086"/>
           </a:xfrm>
           <a:solidFill>
             <a:srgbClr val="00B0F0"/>
@@ -11220,7 +11422,7 @@
           </p:nvSpPr>
           <p:spPr>
             <a:xfrm>
-              <a:off x="2269" y="1745"/>
+              <a:off x="2278" y="1745"/>
               <a:ext cx="4739" cy="1086"/>
             </a:xfrm>
             <a:custGeom>
@@ -11305,6 +11507,10 @@
               <a:r>
                 <a:rPr lang="zh-CN" altLang="en-US" sz="2800"/>
                 <a:t>存储和适配器</a:t>
+              </a:r>
+              <a:r>
+                <a:rPr lang="en-US" altLang="zh-CN" sz="2800"/>
+                <a:t>(Adapter)</a:t>
               </a:r>
               <a:endParaRPr lang="en-US" altLang="zh-CN" sz="2800"/>
             </a:p>
@@ -12299,7 +12505,7 @@
         <p:spPr>
           <a:xfrm>
             <a:off x="501015" y="1717040"/>
-            <a:ext cx="10048240" cy="3415030"/>
+            <a:ext cx="10048240" cy="3138170"/>
           </a:xfrm>
           <a:prstGeom prst="rect">
             <a:avLst/>
@@ -12312,8 +12518,12 @@
           </a:bodyPr>
           <a:p>
             <a:r>
+              <a:rPr lang="zh-CN" altLang="en-US"/>
+              <a:t>用来</a:t>
+            </a:r>
+            <a:r>
               <a:rPr lang="en-US" altLang="zh-CN"/>
-              <a:t>我们支持使用分布式消息系统，例如 etcd 来保持多个Casbin执行器实例之间的一致性。 因此，我们的用户可以同时使用多个Casbin 执行器来处理大量的权限检查请求。</a:t>
+              <a:t>支持使用分布式消息系统，例如 etcd 来保持多个Casbin执行器实例之间的一致性。 可以同时使用多个Casbin 执行器来处理大量的权限检查请求。</a:t>
             </a:r>
             <a:endParaRPr lang="en-US" altLang="zh-CN"/>
           </a:p>
@@ -12323,14 +12533,23 @@
           <a:p>
             <a:r>
               <a:rPr lang="en-US" altLang="zh-CN"/>
-              <a:t>与策略存储 adapters类似，我们没有把watcher的代码放在主库中。 任何对新消息系统的支持都应该作为watcher程序来实现。 完整的Casbin watchers列表如下所示。</a:t>
+              <a:t>与策略存储 adapters类似，我们没有把watcher的代码放在主库中。 任何对新消息系统的支持都应该作为watcher程序来实现。 </a:t>
+            </a:r>
+            <a:r>
+              <a:rPr lang="zh-CN" altLang="en-US"/>
+              <a:t>部分</a:t>
+            </a:r>
+            <a:r>
+              <a:rPr lang="en-US" altLang="zh-CN"/>
+              <a:t>Casbin watchers列表如下所示。</a:t>
             </a:r>
             <a:endParaRPr lang="en-US" altLang="zh-CN"/>
           </a:p>
           <a:p>
-            <a:endParaRPr lang="en-US" altLang="zh-CN"/>
-          </a:p>
-          <a:p>
+            <a:pPr marL="285750" indent="-285750">
+              <a:buFont typeface="Arial" panose="02080604020202020204" pitchFamily="34" charset="0"/>
+              <a:buChar char="•"/>
+            </a:pPr>
             <a:r>
               <a:rPr lang="en-US" altLang="zh-CN"/>
               <a:t>Etcd</a:t>
@@ -12338,6 +12557,10 @@
             <a:endParaRPr lang="en-US" altLang="zh-CN"/>
           </a:p>
           <a:p>
+            <a:pPr marL="285750" indent="-285750">
+              <a:buFont typeface="Arial" panose="02080604020202020204" pitchFamily="34" charset="0"/>
+              <a:buChar char="•"/>
+            </a:pPr>
             <a:r>
               <a:rPr lang="en-US" altLang="zh-CN"/>
               <a:t>NATS</a:t>
@@ -12345,6 +12568,10 @@
             <a:endParaRPr lang="en-US" altLang="zh-CN"/>
           </a:p>
           <a:p>
+            <a:pPr marL="285750" indent="-285750">
+              <a:buFont typeface="Arial" panose="02080604020202020204" pitchFamily="34" charset="0"/>
+              <a:buChar char="•"/>
+            </a:pPr>
             <a:r>
               <a:rPr lang="en-US" altLang="zh-CN"/>
               <a:t>ZooKeeper</a:t>
@@ -12352,6 +12579,10 @@
             <a:endParaRPr lang="en-US" altLang="zh-CN"/>
           </a:p>
           <a:p>
+            <a:pPr marL="285750" indent="-285750">
+              <a:buFont typeface="Arial" panose="02080604020202020204" pitchFamily="34" charset="0"/>
+              <a:buChar char="•"/>
+            </a:pPr>
             <a:r>
               <a:rPr lang="en-US" altLang="zh-CN"/>
               <a:t>Redis</a:t>
@@ -12359,6 +12590,10 @@
             <a:endParaRPr lang="en-US" altLang="zh-CN"/>
           </a:p>
           <a:p>
+            <a:pPr marL="285750" indent="-285750">
+              <a:buFont typeface="Arial" panose="02080604020202020204" pitchFamily="34" charset="0"/>
+              <a:buChar char="•"/>
+            </a:pPr>
             <a:r>
               <a:rPr lang="en-US" altLang="zh-CN"/>
               <a:t>GCP</a:t>
@@ -12366,6 +12601,10 @@
             <a:endParaRPr lang="en-US" altLang="zh-CN"/>
           </a:p>
           <a:p>
+            <a:pPr marL="285750" indent="-285750">
+              <a:buFont typeface="Arial" panose="02080604020202020204" pitchFamily="34" charset="0"/>
+              <a:buChar char="•"/>
+            </a:pPr>
             <a:r>
               <a:rPr lang="en-US" altLang="zh-CN"/>
               <a:t>Kafka</a:t>
@@ -12782,6 +13021,10 @@
             <a:endParaRPr lang="en-US" altLang="zh-CN"/>
           </a:p>
           <a:p>
+            <a:pPr marL="285750" indent="-285750">
+              <a:buFont typeface="Arial" panose="02080604020202020204" pitchFamily="34" charset="0"/>
+              <a:buChar char="•"/>
+            </a:pPr>
             <a:r>
               <a:rPr lang="en-US" altLang="zh-CN"/>
               <a:t>Default Role Manager</a:t>
@@ -12789,6 +13032,10 @@
             <a:endParaRPr lang="en-US" altLang="zh-CN"/>
           </a:p>
           <a:p>
+            <a:pPr marL="285750" indent="-285750">
+              <a:buFont typeface="Arial" panose="02080604020202020204" pitchFamily="34" charset="0"/>
+              <a:buChar char="•"/>
+            </a:pPr>
             <a:r>
               <a:rPr lang="en-US" altLang="zh-CN"/>
               <a:t>Session Role Manager</a:t>
@@ -12796,6 +13043,10 @@
             <a:endParaRPr lang="en-US" altLang="zh-CN"/>
           </a:p>
           <a:p>
+            <a:pPr marL="285750" indent="-285750">
+              <a:buFont typeface="Arial" panose="02080604020202020204" pitchFamily="34" charset="0"/>
+              <a:buChar char="•"/>
+            </a:pPr>
             <a:r>
               <a:rPr lang="en-US" altLang="zh-CN"/>
               <a:t>Okta Role Manager</a:t>
@@ -12803,6 +13054,10 @@
             <a:endParaRPr lang="en-US" altLang="zh-CN"/>
           </a:p>
           <a:p>
+            <a:pPr marL="285750" indent="-285750">
+              <a:buFont typeface="Arial" panose="02080604020202020204" pitchFamily="34" charset="0"/>
+              <a:buChar char="•"/>
+            </a:pPr>
             <a:r>
               <a:rPr lang="en-US" altLang="zh-CN"/>
               <a:t>Auth0 Role Manager</a:t>
@@ -12922,7 +13177,11 @@
                 <a:rPr lang="zh-CN" altLang="en-US" sz="2800"/>
                 <a:t>角色管理器</a:t>
               </a:r>
-              <a:endParaRPr lang="zh-CN" altLang="en-US" sz="2800"/>
+              <a:r>
+                <a:rPr lang="en-US" altLang="zh-CN" sz="2800"/>
+                <a:t>(RoleManager)</a:t>
+              </a:r>
+              <a:endParaRPr lang="en-US" altLang="zh-CN" sz="2800"/>
             </a:p>
           </p:txBody>
         </p:sp>
@@ -13373,6 +13632,211 @@
           </p:txBody>
         </p:sp>
       </p:grpSp>
+    </p:spTree>
+    <p:custDataLst>
+      <p:tags r:id="rId3"/>
+    </p:custDataLst>
+  </p:cSld>
+  <p:clrMapOvr>
+    <a:masterClrMapping/>
+  </p:clrMapOvr>
+</p:sld>
+</file>
+
+<file path=ppt/slides/slide23.xml><?xml version="1.0" encoding="utf-8"?>
+<p:sld xmlns:a="http://schemas.openxmlformats.org/drawingml/2006/main" xmlns:r="http://schemas.openxmlformats.org/officeDocument/2006/relationships" xmlns:p="http://schemas.openxmlformats.org/presentationml/2006/main">
+  <p:cSld>
+    <p:bg>
+      <p:bgPr>
+        <a:blipFill rotWithShape="1">
+          <a:blip r:embed="rId1"/>
+          <a:tile tx="0" ty="0" sx="100000" sy="100000" flip="xy" algn="tl"/>
+        </a:blipFill>
+        <a:effectLst/>
+      </p:bgPr>
+    </p:bg>
+    <p:spTree>
+      <p:nvGrpSpPr>
+        <p:cNvPr id="1" name=""/>
+        <p:cNvGrpSpPr/>
+        <p:nvPr/>
+      </p:nvGrpSpPr>
+      <p:grpSpPr>
+        <a:xfrm>
+          <a:off x="0" y="0"/>
+          <a:ext cx="0" cy="0"/>
+          <a:chOff x="0" y="0"/>
+          <a:chExt cx="0" cy="0"/>
+        </a:xfrm>
+      </p:grpSpPr>
+      <p:grpSp>
+        <p:nvGrpSpPr>
+          <p:cNvPr id="13" name="组合 12"/>
+          <p:cNvGrpSpPr/>
+          <p:nvPr/>
+        </p:nvGrpSpPr>
+        <p:grpSpPr>
+          <a:xfrm>
+            <a:off x="156210" y="88900"/>
+            <a:ext cx="4351725" cy="817150"/>
+            <a:chOff x="1544" y="0"/>
+            <a:chExt cx="4483" cy="5026"/>
+          </a:xfrm>
+        </p:grpSpPr>
+        <p:sp>
+          <p:nvSpPr>
+            <p:cNvPr id="11" name="矩形 10"/>
+            <p:cNvSpPr/>
+            <p:nvPr/>
+          </p:nvSpPr>
+          <p:spPr>
+            <a:xfrm>
+              <a:off x="1544" y="0"/>
+              <a:ext cx="212" cy="5026"/>
+            </a:xfrm>
+            <a:prstGeom prst="rect">
+              <a:avLst/>
+            </a:prstGeom>
+            <a:solidFill>
+              <a:srgbClr val="FFFF00"/>
+            </a:solidFill>
+            <a:ln>
+              <a:noFill/>
+            </a:ln>
+          </p:spPr>
+          <p:style>
+            <a:lnRef idx="2">
+              <a:schemeClr val="accent1">
+                <a:shade val="50000"/>
+              </a:schemeClr>
+            </a:lnRef>
+            <a:fillRef idx="1">
+              <a:schemeClr val="accent1"/>
+            </a:fillRef>
+            <a:effectRef idx="0">
+              <a:schemeClr val="accent1"/>
+            </a:effectRef>
+            <a:fontRef idx="minor">
+              <a:schemeClr val="lt1"/>
+            </a:fontRef>
+          </p:style>
+          <p:txBody>
+            <a:bodyPr rtlCol="0" anchor="ctr"/>
+            <a:p>
+              <a:pPr algn="ctr"/>
+              <a:endParaRPr lang="zh-CN" altLang="en-US"/>
+            </a:p>
+          </p:txBody>
+        </p:sp>
+        <p:sp>
+          <p:nvSpPr>
+            <p:cNvPr id="18" name="PA_矩形 7"/>
+            <p:cNvSpPr/>
+            <p:nvPr>
+              <p:custDataLst>
+                <p:tags r:id="rId2"/>
+              </p:custDataLst>
+            </p:nvPr>
+          </p:nvSpPr>
+          <p:spPr>
+            <a:xfrm>
+              <a:off x="1899" y="718"/>
+              <a:ext cx="4128" cy="3589"/>
+            </a:xfrm>
+            <a:prstGeom prst="rect">
+              <a:avLst/>
+            </a:prstGeom>
+          </p:spPr>
+          <p:txBody>
+            <a:bodyPr wrap="square">
+              <a:spAutoFit/>
+            </a:bodyPr>
+            <a:p>
+              <a:pPr marL="0" marR="0" lvl="0" indent="0" algn="l" defTabSz="685800" rtl="0" eaLnBrk="1" fontAlgn="auto" latinLnBrk="0" hangingPunct="1">
+                <a:lnSpc>
+                  <a:spcPct val="100000"/>
+                </a:lnSpc>
+                <a:spcBef>
+                  <a:spcPts val="0"/>
+                </a:spcBef>
+                <a:spcAft>
+                  <a:spcPts val="0"/>
+                </a:spcAft>
+                <a:buClrTx/>
+                <a:buSzTx/>
+                <a:buFontTx/>
+                <a:buNone/>
+                <a:defRPr/>
+              </a:pPr>
+              <a:r>
+                <a:rPr kumimoji="0" lang="zh-CN" altLang="en-US" sz="3200" b="1" i="0" u="none" strike="noStrike" kern="0" cap="none" spc="0" normalizeH="0" baseline="0" noProof="0">
+                  <a:ln>
+                    <a:noFill/>
+                  </a:ln>
+                  <a:solidFill>
+                    <a:schemeClr val="tx1"/>
+                  </a:solidFill>
+                  <a:effectLst/>
+                  <a:uLnTx/>
+                  <a:uFillTx/>
+                  <a:latin typeface="微软雅黑" panose="020B0503020204020204" charset="-122"/>
+                  <a:ea typeface="微软雅黑" panose="020B0503020204020204" charset="-122"/>
+                  <a:cs typeface="+mn-cs"/>
+                </a:rPr>
+                <a:t>如何使用</a:t>
+              </a:r>
+              <a:r>
+                <a:rPr kumimoji="0" lang="en-US" altLang="zh-CN" sz="3200" b="1" i="0" u="none" strike="noStrike" kern="0" cap="none" spc="0" normalizeH="0" baseline="0" noProof="0">
+                  <a:ln>
+                    <a:noFill/>
+                  </a:ln>
+                  <a:solidFill>
+                    <a:schemeClr val="tx1"/>
+                  </a:solidFill>
+                  <a:effectLst/>
+                  <a:uLnTx/>
+                  <a:uFillTx/>
+                  <a:latin typeface="微软雅黑" panose="020B0503020204020204" charset="-122"/>
+                  <a:ea typeface="微软雅黑" panose="020B0503020204020204" charset="-122"/>
+                  <a:cs typeface="+mn-cs"/>
+                </a:rPr>
+                <a:t>Casbin</a:t>
+              </a:r>
+              <a:r>
+                <a:rPr kumimoji="0" lang="zh-CN" altLang="en-US" sz="3200" b="1" i="0" u="none" strike="noStrike" kern="0" cap="none" spc="0" normalizeH="0" baseline="0" noProof="0">
+                  <a:ln>
+                    <a:noFill/>
+                  </a:ln>
+                  <a:solidFill>
+                    <a:schemeClr val="tx1"/>
+                  </a:solidFill>
+                  <a:effectLst/>
+                  <a:uLnTx/>
+                  <a:uFillTx/>
+                  <a:latin typeface="微软雅黑" panose="020B0503020204020204" charset="-122"/>
+                  <a:ea typeface="微软雅黑" panose="020B0503020204020204" charset="-122"/>
+                  <a:cs typeface="+mn-cs"/>
+                </a:rPr>
+                <a:t>？</a:t>
+              </a:r>
+              <a:endParaRPr kumimoji="0" lang="zh-CN" altLang="en-US" sz="3200" b="1" i="0" u="none" strike="noStrike" kern="0" cap="none" spc="0" normalizeH="0" baseline="0" noProof="0">
+                <a:ln>
+                  <a:noFill/>
+                </a:ln>
+                <a:solidFill>
+                  <a:schemeClr val="tx1"/>
+                </a:solidFill>
+                <a:effectLst/>
+                <a:uLnTx/>
+                <a:uFillTx/>
+                <a:latin typeface="微软雅黑" panose="020B0503020204020204" charset="-122"/>
+                <a:ea typeface="微软雅黑" panose="020B0503020204020204" charset="-122"/>
+                <a:cs typeface="+mn-cs"/>
+              </a:endParaRPr>
+            </a:p>
+          </p:txBody>
+        </p:sp>
+      </p:grpSp>
       <p:graphicFrame>
         <p:nvGraphicFramePr>
           <p:cNvPr id="4" name="表格 3"/>
@@ -13380,8 +13844,8 @@
           <p:nvPr/>
         </p:nvGraphicFramePr>
         <p:xfrm>
-          <a:off x="1362710" y="2085340"/>
-          <a:ext cx="8534400" cy="3810000"/>
+          <a:off x="1818640" y="205740"/>
+          <a:ext cx="7881620" cy="6035040"/>
         </p:xfrm>
         <a:graphic>
           <a:graphicData uri="http://schemas.openxmlformats.org/drawingml/2006/table">
@@ -13390,12 +13854,12 @@
                 <a:tableStyleId>{5C22544A-7EE6-4342-B048-85BDC9FD1C3A}</a:tableStyleId>
               </a:tblPr>
               <a:tblGrid>
-                <a:gridCol w="2133600"/>
-                <a:gridCol w="2133600"/>
-                <a:gridCol w="2133600"/>
-                <a:gridCol w="2133600"/>
+                <a:gridCol w="1970405"/>
+                <a:gridCol w="3333750"/>
+                <a:gridCol w="1170940"/>
+                <a:gridCol w="1406525"/>
               </a:tblGrid>
-              <a:tr h="381000">
+              <a:tr h="640080">
                 <a:tc>
                   <a:txBody>
                     <a:bodyPr/>
@@ -13461,7 +13925,7 @@
                   <a:tcPr/>
                 </a:tc>
               </a:tr>
-              <a:tr h="381000">
+              <a:tr h="365760">
                 <a:tc>
                   <a:txBody>
                     <a:bodyPr/>
@@ -13527,7 +13991,7 @@
                   <a:tcPr/>
                 </a:tc>
               </a:tr>
-              <a:tr h="381000">
+              <a:tr h="365760">
                 <a:tc>
                   <a:txBody>
                     <a:bodyPr/>
@@ -13593,7 +14057,7 @@
                   <a:tcPr/>
                 </a:tc>
               </a:tr>
-              <a:tr h="381000">
+              <a:tr h="640080">
                 <a:tc>
                   <a:txBody>
                     <a:bodyPr/>
@@ -13659,7 +14123,7 @@
                   <a:tcPr/>
                 </a:tc>
               </a:tr>
-              <a:tr h="381000">
+              <a:tr h="640080">
                 <a:tc>
                   <a:txBody>
                     <a:bodyPr/>
@@ -13725,7 +14189,7 @@
                   <a:tcPr/>
                 </a:tc>
               </a:tr>
-              <a:tr h="381000">
+              <a:tr h="640080">
                 <a:tc>
                   <a:txBody>
                     <a:bodyPr/>
@@ -13791,7 +14255,7 @@
                   <a:tcPr/>
                 </a:tc>
               </a:tr>
-              <a:tr h="381000">
+              <a:tr h="640080">
                 <a:tc>
                   <a:txBody>
                     <a:bodyPr/>
@@ -13857,7 +14321,7 @@
                   <a:tcPr/>
                 </a:tc>
               </a:tr>
-              <a:tr h="381000">
+              <a:tr h="640080">
                 <a:tc>
                   <a:txBody>
                     <a:bodyPr/>
@@ -13923,7 +14387,7 @@
                   <a:tcPr/>
                 </a:tc>
               </a:tr>
-              <a:tr h="381000">
+              <a:tr h="365760">
                 <a:tc>
                   <a:txBody>
                     <a:bodyPr/>
@@ -13989,7 +14453,7 @@
                   <a:tcPr/>
                 </a:tc>
               </a:tr>
-              <a:tr h="381000">
+              <a:tr h="365760">
                 <a:tc>
                   <a:txBody>
                     <a:bodyPr/>
@@ -14055,7 +14519,7 @@
                   <a:tcPr/>
                 </a:tc>
               </a:tr>
-              <a:tr h="381000">
+              <a:tr h="365760">
                 <a:tc>
                   <a:txBody>
                     <a:bodyPr/>
@@ -14121,7 +14585,7 @@
                   <a:tcPr/>
                 </a:tc>
               </a:tr>
-              <a:tr h="381000">
+              <a:tr h="365760">
                 <a:tc>
                   <a:txBody>
                     <a:bodyPr/>
@@ -14202,7 +14666,7 @@
 </p:sld>
 </file>
 
-<file path=ppt/slides/slide23.xml><?xml version="1.0" encoding="utf-8"?>
+<file path=ppt/slides/slide24.xml><?xml version="1.0" encoding="utf-8"?>
 <p:sld xmlns:a="http://schemas.openxmlformats.org/drawingml/2006/main" xmlns:r="http://schemas.openxmlformats.org/officeDocument/2006/relationships" xmlns:p="http://schemas.openxmlformats.org/presentationml/2006/main">
   <p:cSld>
     <p:bg>
@@ -14553,7 +15017,7 @@
             <a:pPr algn="ctr"/>
             <a:r>
               <a:rPr lang="en-US" altLang="zh-CN" sz="2800"/>
-              <a:t>02</a:t>
+              <a:t>03</a:t>
             </a:r>
             <a:endParaRPr lang="en-US" altLang="zh-CN" sz="2800"/>
           </a:p>
@@ -15048,7 +15512,7 @@
               <a:pPr algn="ctr"/>
               <a:r>
                 <a:rPr lang="en-US" altLang="zh-CN" sz="2800"/>
-                <a:t>03</a:t>
+                <a:t>02</a:t>
               </a:r>
               <a:endParaRPr lang="en-US" altLang="zh-CN" sz="2800"/>
             </a:p>
@@ -15206,6 +15670,211 @@
     </p:spTree>
     <p:custDataLst>
       <p:tags r:id="rId7"/>
+    </p:custDataLst>
+  </p:cSld>
+  <p:clrMapOvr>
+    <a:masterClrMapping/>
+  </p:clrMapOvr>
+</p:sld>
+</file>
+
+<file path=ppt/slides/slide25.xml><?xml version="1.0" encoding="utf-8"?>
+<p:sld xmlns:a="http://schemas.openxmlformats.org/drawingml/2006/main" xmlns:r="http://schemas.openxmlformats.org/officeDocument/2006/relationships" xmlns:p="http://schemas.openxmlformats.org/presentationml/2006/main">
+  <p:cSld>
+    <p:bg>
+      <p:bgPr>
+        <a:blipFill rotWithShape="1">
+          <a:blip r:embed="rId1"/>
+          <a:tile tx="0" ty="0" sx="100000" sy="100000" flip="xy" algn="tl"/>
+        </a:blipFill>
+        <a:effectLst/>
+      </p:bgPr>
+    </p:bg>
+    <p:spTree>
+      <p:nvGrpSpPr>
+        <p:cNvPr id="1" name=""/>
+        <p:cNvGrpSpPr/>
+        <p:nvPr/>
+      </p:nvGrpSpPr>
+      <p:grpSpPr>
+        <a:xfrm>
+          <a:off x="0" y="0"/>
+          <a:ext cx="0" cy="0"/>
+          <a:chOff x="0" y="0"/>
+          <a:chExt cx="0" cy="0"/>
+        </a:xfrm>
+      </p:grpSpPr>
+      <p:grpSp>
+        <p:nvGrpSpPr>
+          <p:cNvPr id="13" name="组合 12"/>
+          <p:cNvGrpSpPr/>
+          <p:nvPr/>
+        </p:nvGrpSpPr>
+        <p:grpSpPr>
+          <a:xfrm>
+            <a:off x="156210" y="75565"/>
+            <a:ext cx="5719465" cy="817150"/>
+            <a:chOff x="1544" y="0"/>
+            <a:chExt cx="5892" cy="5026"/>
+          </a:xfrm>
+        </p:grpSpPr>
+        <p:sp>
+          <p:nvSpPr>
+            <p:cNvPr id="11" name="矩形 10"/>
+            <p:cNvSpPr/>
+            <p:nvPr/>
+          </p:nvSpPr>
+          <p:spPr>
+            <a:xfrm>
+              <a:off x="1544" y="0"/>
+              <a:ext cx="212" cy="5026"/>
+            </a:xfrm>
+            <a:prstGeom prst="rect">
+              <a:avLst/>
+            </a:prstGeom>
+            <a:solidFill>
+              <a:srgbClr val="7030A0"/>
+            </a:solidFill>
+            <a:ln>
+              <a:noFill/>
+            </a:ln>
+          </p:spPr>
+          <p:style>
+            <a:lnRef idx="2">
+              <a:schemeClr val="accent1">
+                <a:shade val="50000"/>
+              </a:schemeClr>
+            </a:lnRef>
+            <a:fillRef idx="1">
+              <a:schemeClr val="accent1"/>
+            </a:fillRef>
+            <a:effectRef idx="0">
+              <a:schemeClr val="accent1"/>
+            </a:effectRef>
+            <a:fontRef idx="minor">
+              <a:schemeClr val="lt1"/>
+            </a:fontRef>
+          </p:style>
+          <p:txBody>
+            <a:bodyPr rtlCol="0" anchor="ctr"/>
+            <a:p>
+              <a:pPr algn="ctr"/>
+              <a:endParaRPr lang="zh-CN" altLang="en-US">
+                <a:solidFill>
+                  <a:srgbClr val="7030A0"/>
+                </a:solidFill>
+              </a:endParaRPr>
+            </a:p>
+          </p:txBody>
+        </p:sp>
+        <p:sp>
+          <p:nvSpPr>
+            <p:cNvPr id="18" name="PA_矩形 7"/>
+            <p:cNvSpPr/>
+            <p:nvPr>
+              <p:custDataLst>
+                <p:tags r:id="rId2"/>
+              </p:custDataLst>
+            </p:nvPr>
+          </p:nvSpPr>
+          <p:spPr>
+            <a:xfrm>
+              <a:off x="1899" y="719"/>
+              <a:ext cx="5537" cy="3589"/>
+            </a:xfrm>
+            <a:prstGeom prst="rect">
+              <a:avLst/>
+            </a:prstGeom>
+          </p:spPr>
+          <p:txBody>
+            <a:bodyPr wrap="square">
+              <a:spAutoFit/>
+            </a:bodyPr>
+            <a:p>
+              <a:pPr marL="0" marR="0" lvl="0" indent="0" algn="l" defTabSz="685800" rtl="0" eaLnBrk="1" fontAlgn="auto" latinLnBrk="0" hangingPunct="1">
+                <a:lnSpc>
+                  <a:spcPct val="100000"/>
+                </a:lnSpc>
+                <a:spcBef>
+                  <a:spcPts val="0"/>
+                </a:spcBef>
+                <a:spcAft>
+                  <a:spcPts val="0"/>
+                </a:spcAft>
+                <a:buClrTx/>
+                <a:buSzTx/>
+                <a:buFontTx/>
+                <a:buNone/>
+                <a:defRPr/>
+              </a:pPr>
+              <a:r>
+                <a:rPr kumimoji="0" lang="en-US" altLang="zh-CN" sz="3200" b="1" i="0" u="none" strike="noStrike" kern="0" cap="none" spc="0" normalizeH="0" baseline="0" noProof="0">
+                  <a:ln>
+                    <a:noFill/>
+                  </a:ln>
+                  <a:solidFill>
+                    <a:schemeClr val="tx1"/>
+                  </a:solidFill>
+                  <a:effectLst/>
+                  <a:uLnTx/>
+                  <a:uFillTx/>
+                  <a:latin typeface="微软雅黑" panose="020B0503020204020204" charset="-122"/>
+                  <a:ea typeface="微软雅黑" panose="020B0503020204020204" charset="-122"/>
+                  <a:cs typeface="+mn-cs"/>
+                </a:rPr>
+                <a:t>The end</a:t>
+              </a:r>
+              <a:endParaRPr kumimoji="0" lang="en-US" altLang="zh-CN" sz="3200" b="1" i="0" u="none" strike="noStrike" kern="0" cap="none" spc="0" normalizeH="0" baseline="0" noProof="0">
+                <a:ln>
+                  <a:noFill/>
+                </a:ln>
+                <a:solidFill>
+                  <a:schemeClr val="tx1"/>
+                </a:solidFill>
+                <a:effectLst/>
+                <a:uLnTx/>
+                <a:uFillTx/>
+                <a:latin typeface="微软雅黑" panose="020B0503020204020204" charset="-122"/>
+                <a:ea typeface="微软雅黑" panose="020B0503020204020204" charset="-122"/>
+                <a:cs typeface="+mn-cs"/>
+              </a:endParaRPr>
+            </a:p>
+          </p:txBody>
+        </p:sp>
+      </p:grpSp>
+      <p:pic>
+        <p:nvPicPr>
+          <p:cNvPr id="2" name="图片 1" descr="casbin"/>
+          <p:cNvPicPr>
+            <a:picLocks noChangeAspect="1"/>
+          </p:cNvPicPr>
+          <p:nvPr/>
+        </p:nvPicPr>
+        <p:blipFill>
+          <a:blip r:embed="rId3">
+            <a:extLst>
+              <a:ext uri="{96DAC541-7B7A-43D3-8B79-37D633B846F1}">
+                <asvg:svgBlip xmlns:asvg="http://schemas.microsoft.com/office/drawing/2016/SVG/main" r:embed="rId4"/>
+              </a:ext>
+            </a:extLst>
+          </a:blip>
+          <a:stretch>
+            <a:fillRect/>
+          </a:stretch>
+        </p:blipFill>
+        <p:spPr>
+          <a:xfrm>
+            <a:off x="4984115" y="2552700"/>
+            <a:ext cx="1619250" cy="1752600"/>
+          </a:xfrm>
+          <a:prstGeom prst="rect">
+            <a:avLst/>
+          </a:prstGeom>
+        </p:spPr>
+      </p:pic>
+    </p:spTree>
+    <p:custDataLst>
+      <p:tags r:id="rId5"/>
     </p:custDataLst>
   </p:cSld>
   <p:clrMapOvr>
@@ -15646,7 +16315,55 @@
                 <a:ea typeface="文泉驿微米黑" panose="020B0606030804020204" charset="-122"/>
                 <a:cs typeface="文泉驿微米黑" panose="020B0606030804020204" charset="-122"/>
               </a:rPr>
-              <a:t>支持多种访问控制模型；</a:t>
+              <a:t>支持多种访问控制模型</a:t>
+            </a:r>
+            <a:r>
+              <a:rPr lang="en-US" altLang="zh-CN" sz="2400">
+                <a:latin typeface="文泉驿微米黑" panose="020B0606030804020204" charset="-122"/>
+                <a:ea typeface="文泉驿微米黑" panose="020B0606030804020204" charset="-122"/>
+                <a:cs typeface="文泉驿微米黑" panose="020B0606030804020204" charset="-122"/>
+              </a:rPr>
+              <a:t>(ACL</a:t>
+            </a:r>
+            <a:r>
+              <a:rPr lang="zh-CN" altLang="en-US" sz="2400">
+                <a:latin typeface="文泉驿微米黑" panose="020B0606030804020204" charset="-122"/>
+                <a:ea typeface="文泉驿微米黑" panose="020B0606030804020204" charset="-122"/>
+                <a:cs typeface="文泉驿微米黑" panose="020B0606030804020204" charset="-122"/>
+              </a:rPr>
+              <a:t>、</a:t>
+            </a:r>
+            <a:r>
+              <a:rPr lang="en-US" altLang="zh-CN" sz="2400">
+                <a:latin typeface="文泉驿微米黑" panose="020B0606030804020204" charset="-122"/>
+                <a:ea typeface="文泉驿微米黑" panose="020B0606030804020204" charset="-122"/>
+                <a:cs typeface="文泉驿微米黑" panose="020B0606030804020204" charset="-122"/>
+              </a:rPr>
+              <a:t>RBAC</a:t>
+            </a:r>
+            <a:r>
+              <a:rPr lang="zh-CN" altLang="en-US" sz="2400">
+                <a:latin typeface="文泉驿微米黑" panose="020B0606030804020204" charset="-122"/>
+                <a:ea typeface="文泉驿微米黑" panose="020B0606030804020204" charset="-122"/>
+                <a:cs typeface="文泉驿微米黑" panose="020B0606030804020204" charset="-122"/>
+              </a:rPr>
+              <a:t>、</a:t>
+            </a:r>
+            <a:r>
+              <a:rPr lang="en-US" altLang="zh-CN" sz="2400">
+                <a:latin typeface="文泉驿微米黑" panose="020B0606030804020204" charset="-122"/>
+                <a:ea typeface="文泉驿微米黑" panose="020B0606030804020204" charset="-122"/>
+                <a:cs typeface="文泉驿微米黑" panose="020B0606030804020204" charset="-122"/>
+              </a:rPr>
+              <a:t>ABAC)</a:t>
+            </a:r>
+            <a:r>
+              <a:rPr lang="zh-CN" altLang="en-US" sz="2400">
+                <a:latin typeface="文泉驿微米黑" panose="020B0606030804020204" charset="-122"/>
+                <a:ea typeface="文泉驿微米黑" panose="020B0606030804020204" charset="-122"/>
+                <a:cs typeface="文泉驿微米黑" panose="020B0606030804020204" charset="-122"/>
+              </a:rPr>
+              <a:t>；</a:t>
             </a:r>
             <a:endParaRPr lang="zh-CN" altLang="en-US" sz="2400">
               <a:latin typeface="文泉驿微米黑" panose="020B0606030804020204" charset="-122"/>
@@ -16465,7 +17182,7 @@
         <p:spPr>
           <a:xfrm>
             <a:off x="501015" y="2139315"/>
-            <a:ext cx="9349740" cy="4523105"/>
+            <a:ext cx="9349740" cy="4246245"/>
           </a:xfrm>
           <a:prstGeom prst="rect">
             <a:avLst/>
@@ -16567,17 +17284,26 @@
           <a:p>
             <a:r>
               <a:rPr lang="en-US" altLang="zh-CN">
+                <a:solidFill>
+                  <a:srgbClr val="00B0F0"/>
+                </a:solidFill>
                 <a:sym typeface="+mn-ea"/>
               </a:rPr>
               <a:t>alice: read, write</a:t>
             </a:r>
             <a:endParaRPr lang="en-US" altLang="zh-CN">
+              <a:solidFill>
+                <a:srgbClr val="00B0F0"/>
+              </a:solidFill>
               <a:sym typeface="+mn-ea"/>
             </a:endParaRPr>
           </a:p>
           <a:p>
             <a:r>
               <a:rPr lang="en-US" altLang="zh-CN">
+                <a:solidFill>
+                  <a:srgbClr val="00B0F0"/>
+                </a:solidFill>
                 <a:sym typeface="+mn-ea"/>
               </a:rPr>
               <a:t>bob: read</a:t>
@@ -16650,13 +17376,6 @@
             <a:r>
               <a:rPr lang="en-US" altLang="zh-CN"/>
               <a:t>NetWorking ACLs</a:t>
-            </a:r>
-            <a:endParaRPr lang="en-US" altLang="zh-CN"/>
-          </a:p>
-          <a:p>
-            <a:r>
-              <a:rPr lang="en-US" altLang="zh-CN"/>
-              <a:t>SQL</a:t>
             </a:r>
             <a:endParaRPr lang="zh-CN" altLang="en-US"/>
           </a:p>
@@ -17538,7 +18257,7 @@
           <a:p>
             <a:r>
               <a:rPr lang="en-US" altLang="zh-CN"/>
-              <a:t>然后 RBAC  又分为RBAC0、RBAC1、RBAC2、RBAC3 。</a:t>
+              <a:t>RBAC  又分为RBAC0、RBAC1、RBAC2、RBAC3 。</a:t>
             </a:r>
             <a:endParaRPr lang="en-US" altLang="zh-CN"/>
           </a:p>
@@ -17987,7 +18706,11 @@
               <a:t>“</a:t>
             </a:r>
             <a:r>
-              <a:rPr lang="zh-CN" altLang="en-US"/>
+              <a:rPr lang="zh-CN" altLang="en-US">
+                <a:solidFill>
+                  <a:srgbClr val="FF0000"/>
+                </a:solidFill>
+              </a:rPr>
               <a:t>允许夜班人员晚上进入工厂的权利。</a:t>
             </a:r>
             <a:r>
@@ -18263,7 +18986,19 @@
 
 <file path=ppt/tags/tag111.xml><?xml version="1.0" encoding="utf-8"?>
 <p:tagLst xmlns:p="http://schemas.openxmlformats.org/presentationml/2006/main">
-  <p:tag name="PA" val="v4.1.3"/>
+  <p:tag name="KSO_WM_TEMPLATE_THUMBS_INDEX" val="1"/>
+  <p:tag name="KSO_WM_SLIDE_ID" val="custom20187308_1"/>
+  <p:tag name="KSO_WM_TEMPLATE_SUBCATEGORY" val="0"/>
+  <p:tag name="KSO_WM_SLIDE_TYPE" val="title"/>
+  <p:tag name="KSO_WM_SLIDE_SUBTYPE" val="defaultBlank"/>
+  <p:tag name="KSO_WM_SLIDE_ITEM_CNT" val="0"/>
+  <p:tag name="KSO_WM_SLIDE_INDEX" val="1"/>
+  <p:tag name="KSO_WM_TAG_VERSION" val="1.0"/>
+  <p:tag name="KSO_WM_BEAUTIFY_FLAG" val="#wm#"/>
+  <p:tag name="KSO_WM_TEMPLATE_CATEGORY" val="custom"/>
+  <p:tag name="KSO_WM_TEMPLATE_INDEX" val="20187308"/>
+  <p:tag name="KSO_WM_SLIDE_LAYOUT" val="a_b"/>
+  <p:tag name="KSO_WM_SLIDE_LAYOUT_CNT" val="1_1"/>
 </p:tagLst>
 </file>
 
@@ -18286,6 +19021,42 @@
 </file>
 
 <file path=ppt/tags/tag115.xml><?xml version="1.0" encoding="utf-8"?>
+<p:tagLst xmlns:p="http://schemas.openxmlformats.org/presentationml/2006/main">
+  <p:tag name="PA" val="v4.1.3"/>
+</p:tagLst>
+</file>
+
+<file path=ppt/tags/tag116.xml><?xml version="1.0" encoding="utf-8"?>
+<p:tagLst xmlns:p="http://schemas.openxmlformats.org/presentationml/2006/main">
+  <p:tag name="PA" val="v4.1.3"/>
+</p:tagLst>
+</file>
+
+<file path=ppt/tags/tag117.xml><?xml version="1.0" encoding="utf-8"?>
+<p:tagLst xmlns:p="http://schemas.openxmlformats.org/presentationml/2006/main">
+  <p:tag name="KSO_WM_TEMPLATE_THUMBS_INDEX" val="1"/>
+  <p:tag name="KSO_WM_SLIDE_ID" val="custom20187308_1"/>
+  <p:tag name="KSO_WM_TEMPLATE_SUBCATEGORY" val="0"/>
+  <p:tag name="KSO_WM_SLIDE_TYPE" val="title"/>
+  <p:tag name="KSO_WM_SLIDE_SUBTYPE" val="defaultBlank"/>
+  <p:tag name="KSO_WM_SLIDE_ITEM_CNT" val="0"/>
+  <p:tag name="KSO_WM_SLIDE_INDEX" val="1"/>
+  <p:tag name="KSO_WM_TAG_VERSION" val="1.0"/>
+  <p:tag name="KSO_WM_BEAUTIFY_FLAG" val="#wm#"/>
+  <p:tag name="KSO_WM_TEMPLATE_CATEGORY" val="custom"/>
+  <p:tag name="KSO_WM_TEMPLATE_INDEX" val="20187308"/>
+  <p:tag name="KSO_WM_SLIDE_LAYOUT" val="a_b"/>
+  <p:tag name="KSO_WM_SLIDE_LAYOUT_CNT" val="1_1"/>
+</p:tagLst>
+</file>
+
+<file path=ppt/tags/tag118.xml><?xml version="1.0" encoding="utf-8"?>
+<p:tagLst xmlns:p="http://schemas.openxmlformats.org/presentationml/2006/main">
+  <p:tag name="PA" val="v4.1.3"/>
+</p:tagLst>
+</file>
+
+<file path=ppt/tags/tag119.xml><?xml version="1.0" encoding="utf-8"?>
 <p:tagLst xmlns:p="http://schemas.openxmlformats.org/presentationml/2006/main">
   <p:tag name="KSO_WM_TEMPLATE_THUMBS_INDEX" val="1"/>
   <p:tag name="KSO_WM_SLIDE_ID" val="custom20187308_1"/>
